--- a/CastReporting.Reporting.Core/Templates/Application/Legacy reports/Executive-summary-sample2.pptx
+++ b/CastReporting.Reporting.Core/Templates/Application/Legacy reports/Executive-summary-sample2.pptx
@@ -1527,7 +1527,7 @@
           <a:p>
             <a:fld id="{6662845F-21F6-4531-A304-559DC661811C}" type="datetimeFigureOut">
               <a:rPr lang="en-US" smtClean="0"/>
-              <a:t>8/27/2018</a:t>
+              <a:t>2/20/2025</a:t>
             </a:fld>
             <a:endParaRPr lang="en-US"/>
           </a:p>
@@ -1704,7 +1704,7 @@
           <a:p>
             <a:fld id="{BE7CF963-E58D-FC4D-BA9E-60A980752DC6}" type="datetimeFigureOut">
               <a:rPr lang="en-US" smtClean="0"/>
-              <a:t>8/27/2018</a:t>
+              <a:t>2/20/2025</a:t>
             </a:fld>
             <a:endParaRPr lang="en-US"/>
           </a:p>
@@ -2279,36 +2279,6 @@
           </a:p>
         </p:txBody>
       </p:sp>
-      <p:pic>
-        <p:nvPicPr>
-          <p:cNvPr id="13" name="Picture 12">
-            <a:extLst>
-              <a:ext uri="{FF2B5EF4-FFF2-40B4-BE49-F238E27FC236}">
-                <a16:creationId xmlns:a16="http://schemas.microsoft.com/office/drawing/2014/main" id="{A222421C-63E8-4147-95D2-04AD75E6EB6B}"/>
-              </a:ext>
-            </a:extLst>
-          </p:cNvPr>
-          <p:cNvPicPr>
-            <a:picLocks noChangeAspect="1"/>
-          </p:cNvPicPr>
-          <p:nvPr userDrawn="1"/>
-        </p:nvPicPr>
-        <p:blipFill>
-          <a:blip r:embed="rId3"/>
-          <a:stretch>
-            <a:fillRect/>
-          </a:stretch>
-        </p:blipFill>
-        <p:spPr>
-          <a:xfrm>
-            <a:off x="9502140" y="329276"/>
-            <a:ext cx="2103120" cy="412212"/>
-          </a:xfrm>
-          <a:prstGeom prst="rect">
-            <a:avLst/>
-          </a:prstGeom>
-        </p:spPr>
-      </p:pic>
       <p:sp>
         <p:nvSpPr>
           <p:cNvPr id="10" name="TextBox 9">
@@ -2417,6 +2387,36 @@
           </a:p>
         </p:txBody>
       </p:sp>
+      <p:pic>
+        <p:nvPicPr>
+          <p:cNvPr id="2" name="Picture 1">
+            <a:extLst>
+              <a:ext uri="{FF2B5EF4-FFF2-40B4-BE49-F238E27FC236}">
+                <a16:creationId xmlns:a16="http://schemas.microsoft.com/office/drawing/2014/main" id="{54BF12BB-6194-2000-2C23-040094B94799}"/>
+              </a:ext>
+            </a:extLst>
+          </p:cNvPr>
+          <p:cNvPicPr>
+            <a:picLocks noChangeAspect="1"/>
+          </p:cNvPicPr>
+          <p:nvPr userDrawn="1"/>
+        </p:nvPicPr>
+        <p:blipFill>
+          <a:blip r:embed="rId3"/>
+          <a:stretch>
+            <a:fillRect/>
+          </a:stretch>
+        </p:blipFill>
+        <p:spPr>
+          <a:xfrm>
+            <a:off x="10525895" y="266724"/>
+            <a:ext cx="1079365" cy="380952"/>
+          </a:xfrm>
+          <a:prstGeom prst="rect">
+            <a:avLst/>
+          </a:prstGeom>
+        </p:spPr>
+      </p:pic>
     </p:spTree>
     <p:extLst>
       <p:ext uri="{BB962C8B-B14F-4D97-AF65-F5344CB8AC3E}">
@@ -2427,7 +2427,7 @@
   <p:clrMapOvr>
     <a:masterClrMapping/>
   </p:clrMapOvr>
-  <p:extLst mod="1">
+  <p:extLst>
     <p:ext uri="{DCECCB84-F9BA-43D5-87BE-67443E8EF086}">
       <p15:sldGuideLst xmlns:p15="http://schemas.microsoft.com/office/powerpoint/2012/main">
         <p15:guide id="1" pos="3840">
@@ -2513,36 +2513,6 @@
           <a:chExt cx="0" cy="0"/>
         </a:xfrm>
       </p:grpSpPr>
-      <p:pic>
-        <p:nvPicPr>
-          <p:cNvPr id="4" name="Picture 3">
-            <a:extLst>
-              <a:ext uri="{FF2B5EF4-FFF2-40B4-BE49-F238E27FC236}">
-                <a16:creationId xmlns:a16="http://schemas.microsoft.com/office/drawing/2014/main" id="{E39C0825-2C66-4FEE-BEC5-84D120E66776}"/>
-              </a:ext>
-            </a:extLst>
-          </p:cNvPr>
-          <p:cNvPicPr>
-            <a:picLocks noChangeAspect="1"/>
-          </p:cNvPicPr>
-          <p:nvPr userDrawn="1"/>
-        </p:nvPicPr>
-        <p:blipFill>
-          <a:blip r:embed="rId2"/>
-          <a:stretch>
-            <a:fillRect/>
-          </a:stretch>
-        </p:blipFill>
-        <p:spPr>
-          <a:xfrm>
-            <a:off x="9500235" y="332861"/>
-            <a:ext cx="2103120" cy="252375"/>
-          </a:xfrm>
-          <a:prstGeom prst="rect">
-            <a:avLst/>
-          </a:prstGeom>
-        </p:spPr>
-      </p:pic>
       <p:sp>
         <p:nvSpPr>
           <p:cNvPr id="9" name="Rectangle 8"/>
@@ -2707,6 +2677,42 @@
           </a:p>
         </p:txBody>
       </p:sp>
+      <p:pic>
+        <p:nvPicPr>
+          <p:cNvPr id="3" name="Picture 2">
+            <a:extLst>
+              <a:ext uri="{FF2B5EF4-FFF2-40B4-BE49-F238E27FC236}">
+                <a16:creationId xmlns:a16="http://schemas.microsoft.com/office/drawing/2014/main" id="{963EFF48-C255-322F-6548-ED71B3C028CE}"/>
+              </a:ext>
+            </a:extLst>
+          </p:cNvPr>
+          <p:cNvPicPr>
+            <a:picLocks noChangeAspect="1"/>
+          </p:cNvPicPr>
+          <p:nvPr userDrawn="1"/>
+        </p:nvPicPr>
+        <p:blipFill>
+          <a:blip r:embed="rId2">
+            <a:extLst>
+              <a:ext uri="{28A0092B-C50C-407E-A947-70E740481C1C}">
+                <a14:useLocalDpi xmlns:a14="http://schemas.microsoft.com/office/drawing/2010/main" val="0"/>
+              </a:ext>
+            </a:extLst>
+          </a:blip>
+          <a:stretch>
+            <a:fillRect/>
+          </a:stretch>
+        </p:blipFill>
+        <p:spPr>
+          <a:xfrm>
+            <a:off x="10564611" y="286570"/>
+            <a:ext cx="1079365" cy="380952"/>
+          </a:xfrm>
+          <a:prstGeom prst="rect">
+            <a:avLst/>
+          </a:prstGeom>
+        </p:spPr>
+      </p:pic>
     </p:spTree>
     <p:extLst>
       <p:ext uri="{BB962C8B-B14F-4D97-AF65-F5344CB8AC3E}">
@@ -2717,7 +2723,7 @@
   <p:clrMapOvr>
     <a:masterClrMapping/>
   </p:clrMapOvr>
-  <p:extLst mod="1">
+  <p:extLst>
     <p:ext uri="{DCECCB84-F9BA-43D5-87BE-67443E8EF086}">
       <p15:sldGuideLst xmlns:p15="http://schemas.microsoft.com/office/powerpoint/2012/main">
         <p15:guide id="2" pos="384">
@@ -2972,7 +2978,7 @@
   <p:clrMapOvr>
     <a:masterClrMapping/>
   </p:clrMapOvr>
-  <p:extLst mod="1">
+  <p:extLst>
     <p:ext uri="{DCECCB84-F9BA-43D5-87BE-67443E8EF086}">
       <p15:sldGuideLst xmlns:p15="http://schemas.microsoft.com/office/powerpoint/2012/main">
         <p15:guide id="2" pos="384">
@@ -3227,7 +3233,7 @@
   <p:clrMapOvr>
     <a:masterClrMapping/>
   </p:clrMapOvr>
-  <p:extLst mod="1">
+  <p:extLst>
     <p:ext uri="{DCECCB84-F9BA-43D5-87BE-67443E8EF086}">
       <p15:sldGuideLst xmlns:p15="http://schemas.microsoft.com/office/powerpoint/2012/main">
         <p15:guide id="2" pos="384">
@@ -3586,7 +3592,7 @@
   <p:clrMapOvr>
     <a:masterClrMapping/>
   </p:clrMapOvr>
-  <p:extLst mod="1">
+  <p:extLst>
     <p:ext uri="{DCECCB84-F9BA-43D5-87BE-67443E8EF086}">
       <p15:sldGuideLst xmlns:p15="http://schemas.microsoft.com/office/powerpoint/2012/main">
         <p15:guide id="2" pos="384">
@@ -3945,7 +3951,7 @@
   <p:clrMapOvr>
     <a:masterClrMapping/>
   </p:clrMapOvr>
-  <p:extLst mod="1">
+  <p:extLst>
     <p:ext uri="{DCECCB84-F9BA-43D5-87BE-67443E8EF086}">
       <p15:sldGuideLst xmlns:p15="http://schemas.microsoft.com/office/powerpoint/2012/main">
         <p15:guide id="2" pos="384">
@@ -4279,36 +4285,6 @@
           </a:p>
         </p:txBody>
       </p:sp>
-      <p:pic>
-        <p:nvPicPr>
-          <p:cNvPr id="15" name="Picture 14">
-            <a:extLst>
-              <a:ext uri="{FF2B5EF4-FFF2-40B4-BE49-F238E27FC236}">
-                <a16:creationId xmlns:a16="http://schemas.microsoft.com/office/drawing/2014/main" id="{45414AED-E0A8-4CAB-9260-32F42470DE3E}"/>
-              </a:ext>
-            </a:extLst>
-          </p:cNvPr>
-          <p:cNvPicPr>
-            <a:picLocks noChangeAspect="1"/>
-          </p:cNvPicPr>
-          <p:nvPr userDrawn="1"/>
-        </p:nvPicPr>
-        <p:blipFill>
-          <a:blip r:embed="rId3"/>
-          <a:stretch>
-            <a:fillRect/>
-          </a:stretch>
-        </p:blipFill>
-        <p:spPr>
-          <a:xfrm>
-            <a:off x="9502140" y="332861"/>
-            <a:ext cx="2103120" cy="248679"/>
-          </a:xfrm>
-          <a:prstGeom prst="rect">
-            <a:avLst/>
-          </a:prstGeom>
-        </p:spPr>
-      </p:pic>
       <p:sp>
         <p:nvSpPr>
           <p:cNvPr id="16" name="TextBox 15">
@@ -4920,6 +4896,36 @@
           </a:p>
         </p:txBody>
       </p:sp>
+      <p:pic>
+        <p:nvPicPr>
+          <p:cNvPr id="8" name="Picture 7">
+            <a:extLst>
+              <a:ext uri="{FF2B5EF4-FFF2-40B4-BE49-F238E27FC236}">
+                <a16:creationId xmlns:a16="http://schemas.microsoft.com/office/drawing/2014/main" id="{56345BF6-0635-7B43-2A1B-0C0EC457AC1C}"/>
+              </a:ext>
+            </a:extLst>
+          </p:cNvPr>
+          <p:cNvPicPr>
+            <a:picLocks noChangeAspect="1"/>
+          </p:cNvPicPr>
+          <p:nvPr userDrawn="1"/>
+        </p:nvPicPr>
+        <p:blipFill>
+          <a:blip r:embed="rId3"/>
+          <a:stretch>
+            <a:fillRect/>
+          </a:stretch>
+        </p:blipFill>
+        <p:spPr>
+          <a:xfrm>
+            <a:off x="10525895" y="266724"/>
+            <a:ext cx="1079365" cy="380952"/>
+          </a:xfrm>
+          <a:prstGeom prst="rect">
+            <a:avLst/>
+          </a:prstGeom>
+        </p:spPr>
+      </p:pic>
     </p:spTree>
     <p:extLst>
       <p:ext uri="{BB962C8B-B14F-4D97-AF65-F5344CB8AC3E}">
@@ -4930,7 +4936,7 @@
   <p:clrMapOvr>
     <a:masterClrMapping/>
   </p:clrMapOvr>
-  <p:extLst mod="1">
+  <p:extLst>
     <p:ext uri="{DCECCB84-F9BA-43D5-87BE-67443E8EF086}">
       <p15:sldGuideLst xmlns:p15="http://schemas.microsoft.com/office/powerpoint/2012/main">
         <p15:guide id="2" pos="384">
@@ -5264,36 +5270,6 @@
           </a:p>
         </p:txBody>
       </p:sp>
-      <p:pic>
-        <p:nvPicPr>
-          <p:cNvPr id="15" name="Picture 14">
-            <a:extLst>
-              <a:ext uri="{FF2B5EF4-FFF2-40B4-BE49-F238E27FC236}">
-                <a16:creationId xmlns:a16="http://schemas.microsoft.com/office/drawing/2014/main" id="{45414AED-E0A8-4CAB-9260-32F42470DE3E}"/>
-              </a:ext>
-            </a:extLst>
-          </p:cNvPr>
-          <p:cNvPicPr>
-            <a:picLocks noChangeAspect="1"/>
-          </p:cNvPicPr>
-          <p:nvPr userDrawn="1"/>
-        </p:nvPicPr>
-        <p:blipFill>
-          <a:blip r:embed="rId3"/>
-          <a:stretch>
-            <a:fillRect/>
-          </a:stretch>
-        </p:blipFill>
-        <p:spPr>
-          <a:xfrm>
-            <a:off x="9502140" y="332861"/>
-            <a:ext cx="2103120" cy="248679"/>
-          </a:xfrm>
-          <a:prstGeom prst="rect">
-            <a:avLst/>
-          </a:prstGeom>
-        </p:spPr>
-      </p:pic>
       <p:sp>
         <p:nvSpPr>
           <p:cNvPr id="16" name="TextBox 15">
@@ -6065,6 +6041,36 @@
           </a:p>
         </p:txBody>
       </p:sp>
+      <p:pic>
+        <p:nvPicPr>
+          <p:cNvPr id="3" name="Picture 2">
+            <a:extLst>
+              <a:ext uri="{FF2B5EF4-FFF2-40B4-BE49-F238E27FC236}">
+                <a16:creationId xmlns:a16="http://schemas.microsoft.com/office/drawing/2014/main" id="{834D4B9F-4BC4-413F-579F-B84BA6C3713B}"/>
+              </a:ext>
+            </a:extLst>
+          </p:cNvPr>
+          <p:cNvPicPr>
+            <a:picLocks noChangeAspect="1"/>
+          </p:cNvPicPr>
+          <p:nvPr userDrawn="1"/>
+        </p:nvPicPr>
+        <p:blipFill>
+          <a:blip r:embed="rId3"/>
+          <a:stretch>
+            <a:fillRect/>
+          </a:stretch>
+        </p:blipFill>
+        <p:spPr>
+          <a:xfrm>
+            <a:off x="10525895" y="275350"/>
+            <a:ext cx="1079365" cy="380952"/>
+          </a:xfrm>
+          <a:prstGeom prst="rect">
+            <a:avLst/>
+          </a:prstGeom>
+        </p:spPr>
+      </p:pic>
     </p:spTree>
     <p:extLst>
       <p:ext uri="{BB962C8B-B14F-4D97-AF65-F5344CB8AC3E}">
@@ -6075,7 +6081,7 @@
   <p:clrMapOvr>
     <a:masterClrMapping/>
   </p:clrMapOvr>
-  <p:extLst mod="1">
+  <p:extLst>
     <p:ext uri="{DCECCB84-F9BA-43D5-87BE-67443E8EF086}">
       <p15:sldGuideLst xmlns:p15="http://schemas.microsoft.com/office/powerpoint/2012/main">
         <p15:guide id="2" pos="384">
@@ -6362,36 +6368,6 @@
           </a:p>
         </p:txBody>
       </p:sp>
-      <p:pic>
-        <p:nvPicPr>
-          <p:cNvPr id="13" name="Picture 12">
-            <a:extLst>
-              <a:ext uri="{FF2B5EF4-FFF2-40B4-BE49-F238E27FC236}">
-                <a16:creationId xmlns:a16="http://schemas.microsoft.com/office/drawing/2014/main" id="{CBC652E9-B7FE-4DD9-9EA7-B7522267DA42}"/>
-              </a:ext>
-            </a:extLst>
-          </p:cNvPr>
-          <p:cNvPicPr>
-            <a:picLocks noChangeAspect="1"/>
-          </p:cNvPicPr>
-          <p:nvPr userDrawn="1"/>
-        </p:nvPicPr>
-        <p:blipFill>
-          <a:blip r:embed="rId3"/>
-          <a:stretch>
-            <a:fillRect/>
-          </a:stretch>
-        </p:blipFill>
-        <p:spPr>
-          <a:xfrm>
-            <a:off x="9502140" y="329276"/>
-            <a:ext cx="2103120" cy="412212"/>
-          </a:xfrm>
-          <a:prstGeom prst="rect">
-            <a:avLst/>
-          </a:prstGeom>
-        </p:spPr>
-      </p:pic>
       <p:sp>
         <p:nvSpPr>
           <p:cNvPr id="10" name="TextBox 9">
@@ -6500,6 +6476,36 @@
           </a:p>
         </p:txBody>
       </p:sp>
+      <p:pic>
+        <p:nvPicPr>
+          <p:cNvPr id="2" name="Picture 1">
+            <a:extLst>
+              <a:ext uri="{FF2B5EF4-FFF2-40B4-BE49-F238E27FC236}">
+                <a16:creationId xmlns:a16="http://schemas.microsoft.com/office/drawing/2014/main" id="{1152E1C8-4AB3-C1FF-1A78-D74B5EB139C7}"/>
+              </a:ext>
+            </a:extLst>
+          </p:cNvPr>
+          <p:cNvPicPr>
+            <a:picLocks noChangeAspect="1"/>
+          </p:cNvPicPr>
+          <p:nvPr userDrawn="1"/>
+        </p:nvPicPr>
+        <p:blipFill>
+          <a:blip r:embed="rId3"/>
+          <a:stretch>
+            <a:fillRect/>
+          </a:stretch>
+        </p:blipFill>
+        <p:spPr>
+          <a:xfrm>
+            <a:off x="10525895" y="266724"/>
+            <a:ext cx="1079365" cy="380952"/>
+          </a:xfrm>
+          <a:prstGeom prst="rect">
+            <a:avLst/>
+          </a:prstGeom>
+        </p:spPr>
+      </p:pic>
     </p:spTree>
     <p:extLst>
       <p:ext uri="{BB962C8B-B14F-4D97-AF65-F5344CB8AC3E}">
@@ -6510,7 +6516,7 @@
   <p:clrMapOvr>
     <a:masterClrMapping/>
   </p:clrMapOvr>
-  <p:extLst mod="1">
+  <p:extLst>
     <p:ext uri="{DCECCB84-F9BA-43D5-87BE-67443E8EF086}">
       <p15:sldGuideLst xmlns:p15="http://schemas.microsoft.com/office/powerpoint/2012/main">
         <p15:guide id="1" pos="3840">
@@ -6802,36 +6808,6 @@
           </a:p>
         </p:txBody>
       </p:sp>
-      <p:pic>
-        <p:nvPicPr>
-          <p:cNvPr id="13" name="Picture 12">
-            <a:extLst>
-              <a:ext uri="{FF2B5EF4-FFF2-40B4-BE49-F238E27FC236}">
-                <a16:creationId xmlns:a16="http://schemas.microsoft.com/office/drawing/2014/main" id="{5C70D25B-C944-4E97-8A71-151C39913E17}"/>
-              </a:ext>
-            </a:extLst>
-          </p:cNvPr>
-          <p:cNvPicPr>
-            <a:picLocks noChangeAspect="1"/>
-          </p:cNvPicPr>
-          <p:nvPr userDrawn="1"/>
-        </p:nvPicPr>
-        <p:blipFill>
-          <a:blip r:embed="rId3"/>
-          <a:stretch>
-            <a:fillRect/>
-          </a:stretch>
-        </p:blipFill>
-        <p:spPr>
-          <a:xfrm>
-            <a:off x="9502140" y="329276"/>
-            <a:ext cx="2103120" cy="412212"/>
-          </a:xfrm>
-          <a:prstGeom prst="rect">
-            <a:avLst/>
-          </a:prstGeom>
-        </p:spPr>
-      </p:pic>
       <p:sp>
         <p:nvSpPr>
           <p:cNvPr id="10" name="TextBox 9">
@@ -6940,6 +6916,36 @@
           </a:p>
         </p:txBody>
       </p:sp>
+      <p:pic>
+        <p:nvPicPr>
+          <p:cNvPr id="2" name="Picture 1">
+            <a:extLst>
+              <a:ext uri="{FF2B5EF4-FFF2-40B4-BE49-F238E27FC236}">
+                <a16:creationId xmlns:a16="http://schemas.microsoft.com/office/drawing/2014/main" id="{7F09728D-2F0A-B413-30A2-9A854464A3C3}"/>
+              </a:ext>
+            </a:extLst>
+          </p:cNvPr>
+          <p:cNvPicPr>
+            <a:picLocks noChangeAspect="1"/>
+          </p:cNvPicPr>
+          <p:nvPr userDrawn="1"/>
+        </p:nvPicPr>
+        <p:blipFill>
+          <a:blip r:embed="rId3"/>
+          <a:stretch>
+            <a:fillRect/>
+          </a:stretch>
+        </p:blipFill>
+        <p:spPr>
+          <a:xfrm>
+            <a:off x="10525895" y="266724"/>
+            <a:ext cx="1079365" cy="380952"/>
+          </a:xfrm>
+          <a:prstGeom prst="rect">
+            <a:avLst/>
+          </a:prstGeom>
+        </p:spPr>
+      </p:pic>
     </p:spTree>
     <p:extLst>
       <p:ext uri="{BB962C8B-B14F-4D97-AF65-F5344CB8AC3E}">
@@ -6950,7 +6956,7 @@
   <p:clrMapOvr>
     <a:masterClrMapping/>
   </p:clrMapOvr>
-  <p:extLst mod="1">
+  <p:extLst>
     <p:ext uri="{DCECCB84-F9BA-43D5-87BE-67443E8EF086}">
       <p15:sldGuideLst xmlns:p15="http://schemas.microsoft.com/office/powerpoint/2012/main">
         <p15:guide id="1" pos="3840">
@@ -7242,36 +7248,6 @@
           </a:p>
         </p:txBody>
       </p:sp>
-      <p:pic>
-        <p:nvPicPr>
-          <p:cNvPr id="3" name="Picture 2">
-            <a:extLst>
-              <a:ext uri="{FF2B5EF4-FFF2-40B4-BE49-F238E27FC236}">
-                <a16:creationId xmlns:a16="http://schemas.microsoft.com/office/drawing/2014/main" id="{D48361A3-1B9F-409C-826A-261AA012B8F8}"/>
-              </a:ext>
-            </a:extLst>
-          </p:cNvPr>
-          <p:cNvPicPr>
-            <a:picLocks noChangeAspect="1"/>
-          </p:cNvPicPr>
-          <p:nvPr userDrawn="1"/>
-        </p:nvPicPr>
-        <p:blipFill>
-          <a:blip r:embed="rId3"/>
-          <a:stretch>
-            <a:fillRect/>
-          </a:stretch>
-        </p:blipFill>
-        <p:spPr>
-          <a:xfrm>
-            <a:off x="9502140" y="329276"/>
-            <a:ext cx="2103120" cy="412212"/>
-          </a:xfrm>
-          <a:prstGeom prst="rect">
-            <a:avLst/>
-          </a:prstGeom>
-        </p:spPr>
-      </p:pic>
       <p:sp>
         <p:nvSpPr>
           <p:cNvPr id="10" name="TextBox 9">
@@ -7380,6 +7356,36 @@
           </a:p>
         </p:txBody>
       </p:sp>
+      <p:pic>
+        <p:nvPicPr>
+          <p:cNvPr id="2" name="Picture 1">
+            <a:extLst>
+              <a:ext uri="{FF2B5EF4-FFF2-40B4-BE49-F238E27FC236}">
+                <a16:creationId xmlns:a16="http://schemas.microsoft.com/office/drawing/2014/main" id="{84D5D0CE-321F-87F3-1BFD-F2EB209E00E0}"/>
+              </a:ext>
+            </a:extLst>
+          </p:cNvPr>
+          <p:cNvPicPr>
+            <a:picLocks noChangeAspect="1"/>
+          </p:cNvPicPr>
+          <p:nvPr userDrawn="1"/>
+        </p:nvPicPr>
+        <p:blipFill>
+          <a:blip r:embed="rId3"/>
+          <a:stretch>
+            <a:fillRect/>
+          </a:stretch>
+        </p:blipFill>
+        <p:spPr>
+          <a:xfrm>
+            <a:off x="10525895" y="266724"/>
+            <a:ext cx="1079365" cy="380952"/>
+          </a:xfrm>
+          <a:prstGeom prst="rect">
+            <a:avLst/>
+          </a:prstGeom>
+        </p:spPr>
+      </p:pic>
     </p:spTree>
     <p:extLst>
       <p:ext uri="{BB962C8B-B14F-4D97-AF65-F5344CB8AC3E}">
@@ -7390,7 +7396,7 @@
   <p:clrMapOvr>
     <a:masterClrMapping/>
   </p:clrMapOvr>
-  <p:extLst mod="1">
+  <p:extLst>
     <p:ext uri="{DCECCB84-F9BA-43D5-87BE-67443E8EF086}">
       <p15:sldGuideLst xmlns:p15="http://schemas.microsoft.com/office/powerpoint/2012/main">
         <p15:guide id="1" pos="3840">
@@ -7720,36 +7726,6 @@
           </a:p>
         </p:txBody>
       </p:sp>
-      <p:pic>
-        <p:nvPicPr>
-          <p:cNvPr id="13" name="Picture 12">
-            <a:extLst>
-              <a:ext uri="{FF2B5EF4-FFF2-40B4-BE49-F238E27FC236}">
-                <a16:creationId xmlns:a16="http://schemas.microsoft.com/office/drawing/2014/main" id="{545EF32B-13FD-4CE8-8ED9-24019B1CE1ED}"/>
-              </a:ext>
-            </a:extLst>
-          </p:cNvPr>
-          <p:cNvPicPr>
-            <a:picLocks noChangeAspect="1"/>
-          </p:cNvPicPr>
-          <p:nvPr userDrawn="1"/>
-        </p:nvPicPr>
-        <p:blipFill>
-          <a:blip r:embed="rId3"/>
-          <a:stretch>
-            <a:fillRect/>
-          </a:stretch>
-        </p:blipFill>
-        <p:spPr>
-          <a:xfrm>
-            <a:off x="9502140" y="329276"/>
-            <a:ext cx="2103120" cy="412212"/>
-          </a:xfrm>
-          <a:prstGeom prst="rect">
-            <a:avLst/>
-          </a:prstGeom>
-        </p:spPr>
-      </p:pic>
       <p:sp>
         <p:nvSpPr>
           <p:cNvPr id="10" name="Text Placeholder 20">
@@ -7814,6 +7790,36 @@
           </a:p>
         </p:txBody>
       </p:sp>
+      <p:pic>
+        <p:nvPicPr>
+          <p:cNvPr id="2" name="Picture 1">
+            <a:extLst>
+              <a:ext uri="{FF2B5EF4-FFF2-40B4-BE49-F238E27FC236}">
+                <a16:creationId xmlns:a16="http://schemas.microsoft.com/office/drawing/2014/main" id="{BF5418B2-8517-8980-E537-0B5FAA566503}"/>
+              </a:ext>
+            </a:extLst>
+          </p:cNvPr>
+          <p:cNvPicPr>
+            <a:picLocks noChangeAspect="1"/>
+          </p:cNvPicPr>
+          <p:nvPr userDrawn="1"/>
+        </p:nvPicPr>
+        <p:blipFill>
+          <a:blip r:embed="rId3"/>
+          <a:stretch>
+            <a:fillRect/>
+          </a:stretch>
+        </p:blipFill>
+        <p:spPr>
+          <a:xfrm>
+            <a:off x="10525895" y="266724"/>
+            <a:ext cx="1079365" cy="380952"/>
+          </a:xfrm>
+          <a:prstGeom prst="rect">
+            <a:avLst/>
+          </a:prstGeom>
+        </p:spPr>
+      </p:pic>
     </p:spTree>
     <p:extLst>
       <p:ext uri="{BB962C8B-B14F-4D97-AF65-F5344CB8AC3E}">
@@ -7824,7 +7830,7 @@
   <p:clrMapOvr>
     <a:masterClrMapping/>
   </p:clrMapOvr>
-  <p:extLst mod="1">
+  <p:extLst>
     <p:ext uri="{DCECCB84-F9BA-43D5-87BE-67443E8EF086}">
       <p15:sldGuideLst xmlns:p15="http://schemas.microsoft.com/office/powerpoint/2012/main">
         <p15:guide id="1" pos="3840">
@@ -8176,10 +8182,10 @@
       </p:sp>
       <p:pic>
         <p:nvPicPr>
-          <p:cNvPr id="10" name="Picture 9">
+          <p:cNvPr id="2" name="Picture 1">
             <a:extLst>
               <a:ext uri="{FF2B5EF4-FFF2-40B4-BE49-F238E27FC236}">
-                <a16:creationId xmlns:a16="http://schemas.microsoft.com/office/drawing/2014/main" id="{450326B6-B54D-4580-BAF3-3DD6FAFD9DD1}"/>
+                <a16:creationId xmlns:a16="http://schemas.microsoft.com/office/drawing/2014/main" id="{938B25E3-4882-5642-940A-7B36A56828B2}"/>
               </a:ext>
             </a:extLst>
           </p:cNvPr>
@@ -8196,8 +8202,8 @@
         </p:blipFill>
         <p:spPr>
           <a:xfrm>
-            <a:off x="9502140" y="329276"/>
-            <a:ext cx="2103120" cy="412212"/>
+            <a:off x="10525895" y="266724"/>
+            <a:ext cx="1079365" cy="380952"/>
           </a:xfrm>
           <a:prstGeom prst="rect">
             <a:avLst/>
@@ -8214,7 +8220,7 @@
   <p:clrMapOvr>
     <a:masterClrMapping/>
   </p:clrMapOvr>
-  <p:extLst mod="1">
+  <p:extLst>
     <p:ext uri="{DCECCB84-F9BA-43D5-87BE-67443E8EF086}">
       <p15:sldGuideLst xmlns:p15="http://schemas.microsoft.com/office/powerpoint/2012/main">
         <p15:guide id="1" pos="3840">
@@ -8632,36 +8638,6 @@
           </a:p>
         </p:txBody>
       </p:sp>
-      <p:pic>
-        <p:nvPicPr>
-          <p:cNvPr id="15" name="Picture 14">
-            <a:extLst>
-              <a:ext uri="{FF2B5EF4-FFF2-40B4-BE49-F238E27FC236}">
-                <a16:creationId xmlns:a16="http://schemas.microsoft.com/office/drawing/2014/main" id="{45414AED-E0A8-4CAB-9260-32F42470DE3E}"/>
-              </a:ext>
-            </a:extLst>
-          </p:cNvPr>
-          <p:cNvPicPr>
-            <a:picLocks noChangeAspect="1"/>
-          </p:cNvPicPr>
-          <p:nvPr userDrawn="1"/>
-        </p:nvPicPr>
-        <p:blipFill>
-          <a:blip r:embed="rId3"/>
-          <a:stretch>
-            <a:fillRect/>
-          </a:stretch>
-        </p:blipFill>
-        <p:spPr>
-          <a:xfrm>
-            <a:off x="9502140" y="332861"/>
-            <a:ext cx="2103120" cy="248679"/>
-          </a:xfrm>
-          <a:prstGeom prst="rect">
-            <a:avLst/>
-          </a:prstGeom>
-        </p:spPr>
-      </p:pic>
       <p:sp>
         <p:nvSpPr>
           <p:cNvPr id="16" name="TextBox 15">
@@ -8703,6 +8679,36 @@
           </a:p>
         </p:txBody>
       </p:sp>
+      <p:pic>
+        <p:nvPicPr>
+          <p:cNvPr id="3" name="Picture 2">
+            <a:extLst>
+              <a:ext uri="{FF2B5EF4-FFF2-40B4-BE49-F238E27FC236}">
+                <a16:creationId xmlns:a16="http://schemas.microsoft.com/office/drawing/2014/main" id="{D98EEE83-6443-672F-F03E-0E720F119B64}"/>
+              </a:ext>
+            </a:extLst>
+          </p:cNvPr>
+          <p:cNvPicPr>
+            <a:picLocks noChangeAspect="1"/>
+          </p:cNvPicPr>
+          <p:nvPr userDrawn="1"/>
+        </p:nvPicPr>
+        <p:blipFill>
+          <a:blip r:embed="rId3"/>
+          <a:stretch>
+            <a:fillRect/>
+          </a:stretch>
+        </p:blipFill>
+        <p:spPr>
+          <a:xfrm>
+            <a:off x="10525895" y="266724"/>
+            <a:ext cx="1079365" cy="380952"/>
+          </a:xfrm>
+          <a:prstGeom prst="rect">
+            <a:avLst/>
+          </a:prstGeom>
+        </p:spPr>
+      </p:pic>
     </p:spTree>
     <p:extLst>
       <p:ext uri="{BB962C8B-B14F-4D97-AF65-F5344CB8AC3E}">
@@ -8713,7 +8719,7 @@
   <p:clrMapOvr>
     <a:masterClrMapping/>
   </p:clrMapOvr>
-  <p:extLst mod="1">
+  <p:extLst>
     <p:ext uri="{DCECCB84-F9BA-43D5-87BE-67443E8EF086}">
       <p15:sldGuideLst xmlns:p15="http://schemas.microsoft.com/office/powerpoint/2012/main">
         <p15:guide id="2" pos="384">
@@ -9047,36 +9053,6 @@
           </a:p>
         </p:txBody>
       </p:sp>
-      <p:pic>
-        <p:nvPicPr>
-          <p:cNvPr id="15" name="Picture 14">
-            <a:extLst>
-              <a:ext uri="{FF2B5EF4-FFF2-40B4-BE49-F238E27FC236}">
-                <a16:creationId xmlns:a16="http://schemas.microsoft.com/office/drawing/2014/main" id="{45414AED-E0A8-4CAB-9260-32F42470DE3E}"/>
-              </a:ext>
-            </a:extLst>
-          </p:cNvPr>
-          <p:cNvPicPr>
-            <a:picLocks noChangeAspect="1"/>
-          </p:cNvPicPr>
-          <p:nvPr userDrawn="1"/>
-        </p:nvPicPr>
-        <p:blipFill>
-          <a:blip r:embed="rId3"/>
-          <a:stretch>
-            <a:fillRect/>
-          </a:stretch>
-        </p:blipFill>
-        <p:spPr>
-          <a:xfrm>
-            <a:off x="9502140" y="332861"/>
-            <a:ext cx="2103120" cy="248679"/>
-          </a:xfrm>
-          <a:prstGeom prst="rect">
-            <a:avLst/>
-          </a:prstGeom>
-        </p:spPr>
-      </p:pic>
       <p:sp>
         <p:nvSpPr>
           <p:cNvPr id="16" name="TextBox 15">
@@ -9118,6 +9094,36 @@
           </a:p>
         </p:txBody>
       </p:sp>
+      <p:pic>
+        <p:nvPicPr>
+          <p:cNvPr id="3" name="Picture 2">
+            <a:extLst>
+              <a:ext uri="{FF2B5EF4-FFF2-40B4-BE49-F238E27FC236}">
+                <a16:creationId xmlns:a16="http://schemas.microsoft.com/office/drawing/2014/main" id="{37BB6B81-3C03-1AF1-C727-49AB4856D121}"/>
+              </a:ext>
+            </a:extLst>
+          </p:cNvPr>
+          <p:cNvPicPr>
+            <a:picLocks noChangeAspect="1"/>
+          </p:cNvPicPr>
+          <p:nvPr userDrawn="1"/>
+        </p:nvPicPr>
+        <p:blipFill>
+          <a:blip r:embed="rId3"/>
+          <a:stretch>
+            <a:fillRect/>
+          </a:stretch>
+        </p:blipFill>
+        <p:spPr>
+          <a:xfrm>
+            <a:off x="10525895" y="266724"/>
+            <a:ext cx="1079365" cy="380952"/>
+          </a:xfrm>
+          <a:prstGeom prst="rect">
+            <a:avLst/>
+          </a:prstGeom>
+        </p:spPr>
+      </p:pic>
     </p:spTree>
     <p:extLst>
       <p:ext uri="{BB962C8B-B14F-4D97-AF65-F5344CB8AC3E}">
@@ -9128,7 +9134,7 @@
   <p:clrMapOvr>
     <a:masterClrMapping/>
   </p:clrMapOvr>
-  <p:extLst mod="1">
+  <p:extLst>
     <p:ext uri="{DCECCB84-F9BA-43D5-87BE-67443E8EF086}">
       <p15:sldGuideLst xmlns:p15="http://schemas.microsoft.com/office/powerpoint/2012/main">
         <p15:guide id="2" pos="384">
@@ -9255,36 +9261,6 @@
           </a:p>
         </p:txBody>
       </p:sp>
-      <p:pic>
-        <p:nvPicPr>
-          <p:cNvPr id="4" name="Picture 3">
-            <a:extLst>
-              <a:ext uri="{FF2B5EF4-FFF2-40B4-BE49-F238E27FC236}">
-                <a16:creationId xmlns:a16="http://schemas.microsoft.com/office/drawing/2014/main" id="{E39C0825-2C66-4FEE-BEC5-84D120E66776}"/>
-              </a:ext>
-            </a:extLst>
-          </p:cNvPr>
-          <p:cNvPicPr>
-            <a:picLocks noChangeAspect="1"/>
-          </p:cNvPicPr>
-          <p:nvPr userDrawn="1"/>
-        </p:nvPicPr>
-        <p:blipFill>
-          <a:blip r:embed="rId2"/>
-          <a:stretch>
-            <a:fillRect/>
-          </a:stretch>
-        </p:blipFill>
-        <p:spPr>
-          <a:xfrm>
-            <a:off x="9500235" y="332861"/>
-            <a:ext cx="2103120" cy="252375"/>
-          </a:xfrm>
-          <a:prstGeom prst="rect">
-            <a:avLst/>
-          </a:prstGeom>
-        </p:spPr>
-      </p:pic>
       <p:sp>
         <p:nvSpPr>
           <p:cNvPr id="10" name="TextBox 9"/>
@@ -9403,6 +9379,42 @@
           </a:p>
         </p:txBody>
       </p:sp>
+      <p:pic>
+        <p:nvPicPr>
+          <p:cNvPr id="2" name="Picture 1">
+            <a:extLst>
+              <a:ext uri="{FF2B5EF4-FFF2-40B4-BE49-F238E27FC236}">
+                <a16:creationId xmlns:a16="http://schemas.microsoft.com/office/drawing/2014/main" id="{C70FD326-5B65-D304-1463-780CD09534BA}"/>
+              </a:ext>
+            </a:extLst>
+          </p:cNvPr>
+          <p:cNvPicPr>
+            <a:picLocks noChangeAspect="1"/>
+          </p:cNvPicPr>
+          <p:nvPr userDrawn="1"/>
+        </p:nvPicPr>
+        <p:blipFill>
+          <a:blip r:embed="rId2">
+            <a:extLst>
+              <a:ext uri="{28A0092B-C50C-407E-A947-70E740481C1C}">
+                <a14:useLocalDpi xmlns:a14="http://schemas.microsoft.com/office/drawing/2010/main" val="0"/>
+              </a:ext>
+            </a:extLst>
+          </a:blip>
+          <a:stretch>
+            <a:fillRect/>
+          </a:stretch>
+        </p:blipFill>
+        <p:spPr>
+          <a:xfrm>
+            <a:off x="10564611" y="286570"/>
+            <a:ext cx="1079365" cy="380952"/>
+          </a:xfrm>
+          <a:prstGeom prst="rect">
+            <a:avLst/>
+          </a:prstGeom>
+        </p:spPr>
+      </p:pic>
     </p:spTree>
     <p:extLst>
       <p:ext uri="{BB962C8B-B14F-4D97-AF65-F5344CB8AC3E}">
@@ -9413,7 +9425,7 @@
   <p:clrMapOvr>
     <a:masterClrMapping/>
   </p:clrMapOvr>
-  <p:extLst mod="1">
+  <p:extLst>
     <p:ext uri="{DCECCB84-F9BA-43D5-87BE-67443E8EF086}">
       <p15:sldGuideLst xmlns:p15="http://schemas.microsoft.com/office/powerpoint/2012/main">
         <p15:guide id="2" pos="384">
@@ -10011,7 +10023,7 @@
       </a:lvl9pPr>
     </p:otherStyle>
   </p:txStyles>
-  <p:extLst mod="1">
+  <p:extLst>
     <p:ext uri="{27BBF7A9-308A-43DC-89C8-2F10F3537804}">
       <p15:sldGuideLst xmlns:p15="http://schemas.microsoft.com/office/powerpoint/2012/main">
         <p15:guide id="1" pos="3840">
